--- a/junit5-and-usage-overview.pptx
+++ b/junit5-and-usage-overview.pptx
@@ -5585,6 +5585,12 @@
               <a:t>Let’s see a demo </a:t>
             </a:r>
           </a:p>
+          <a:p>
+            <a:pPr marL="457200" lvl="1" indent="0">
+              <a:buNone/>
+            </a:pPr>
+            <a:endParaRPr lang="en-US" dirty="0"/>
+          </a:p>
         </p:txBody>
       </p:sp>
     </p:spTree>
